--- a/SILAN-AI-Real-Time-Sign-Language-Detection.pptx
+++ b/SILAN-AI-Real-Time-Sign-Language-Detection.pptx
@@ -5,23 +5,28 @@
     <p:sldMasterId id="2147483648" r:id="rId1"/>
   </p:sldMasterIdLst>
   <p:notesMasterIdLst>
-    <p:notesMasterId r:id="rId9"/>
+    <p:notesMasterId r:id="rId11"/>
   </p:notesMasterIdLst>
   <p:sldIdLst>
-    <p:sldId id="256" r:id="rId2"/>
-    <p:sldId id="257" r:id="rId3"/>
-    <p:sldId id="258" r:id="rId4"/>
-    <p:sldId id="259" r:id="rId5"/>
-    <p:sldId id="260" r:id="rId6"/>
-    <p:sldId id="261" r:id="rId7"/>
-    <p:sldId id="262" r:id="rId8"/>
+    <p:sldId id="270" r:id="rId2"/>
+    <p:sldId id="256" r:id="rId3"/>
+    <p:sldId id="257" r:id="rId4"/>
+    <p:sldId id="258" r:id="rId5"/>
+    <p:sldId id="259" r:id="rId6"/>
+    <p:sldId id="260" r:id="rId7"/>
+    <p:sldId id="271" r:id="rId8"/>
+    <p:sldId id="261" r:id="rId9"/>
+    <p:sldId id="262" r:id="rId10"/>
   </p:sldIdLst>
   <p:sldSz cx="14630400" cy="8229600"/>
   <p:notesSz cx="8229600" cy="14630400"/>
   <p:embeddedFontLst>
     <p:embeddedFont>
       <p:font typeface="Open Sans" panose="020B0606030504020204" pitchFamily="34" charset="0"/>
-      <p:regular r:id="rId10"/>
+      <p:regular r:id="rId12"/>
+      <p:bold r:id="rId13"/>
+      <p:italic r:id="rId14"/>
+      <p:boldItalic r:id="rId15"/>
     </p:embeddedFont>
   </p:embeddedFontLst>
   <p:defaultTextStyle>
@@ -822,6 +827,174 @@
             <a:fld id="{F7021451-1387-4CA6-816F-3879F97B5CBC}" type="slidenum">
               <a:rPr lang="en-US"/>
               <a:t>7</a:t>
+            </a:fld>
+            <a:endParaRPr lang="en-US"/>
+          </a:p>
+        </p:txBody>
+      </p:sp>
+    </p:spTree>
+    <p:extLst>
+      <p:ext uri="{BB962C8B-B14F-4D97-AF65-F5344CB8AC3E}">
+        <p14:creationId xmlns:p14="http://schemas.microsoft.com/office/powerpoint/2010/main" val="1024086991"/>
+      </p:ext>
+    </p:extLst>
+  </p:cSld>
+  <p:clrMapOvr>
+    <a:masterClrMapping/>
+  </p:clrMapOvr>
+</p:notes>
+</file>
+
+<file path=ppt/notesSlides/notesSlide8.xml><?xml version="1.0" encoding="utf-8"?>
+<p:notes xmlns:a="http://schemas.openxmlformats.org/drawingml/2006/main" xmlns:r="http://schemas.openxmlformats.org/officeDocument/2006/relationships" xmlns:p="http://schemas.openxmlformats.org/presentationml/2006/main">
+  <p:cSld>
+    <p:spTree>
+      <p:nvGrpSpPr>
+        <p:cNvPr id="1" name=""/>
+        <p:cNvGrpSpPr/>
+        <p:nvPr/>
+      </p:nvGrpSpPr>
+      <p:grpSpPr>
+        <a:xfrm>
+          <a:off x="0" y="0"/>
+          <a:ext cx="0" cy="0"/>
+          <a:chOff x="0" y="0"/>
+          <a:chExt cx="0" cy="0"/>
+        </a:xfrm>
+      </p:grpSpPr>
+      <p:sp>
+        <p:nvSpPr>
+          <p:cNvPr id="2" name="Slide Image Placeholder 1"/>
+          <p:cNvSpPr>
+            <a:spLocks noGrp="1" noRot="1" noChangeAspect="1"/>
+          </p:cNvSpPr>
+          <p:nvPr>
+            <p:ph type="sldImg"/>
+          </p:nvPr>
+        </p:nvSpPr>
+        <p:spPr/>
+      </p:sp>
+      <p:sp>
+        <p:nvSpPr>
+          <p:cNvPr id="3" name="Notes Placeholder 2"/>
+          <p:cNvSpPr>
+            <a:spLocks noGrp="1"/>
+          </p:cNvSpPr>
+          <p:nvPr>
+            <p:ph type="body" idx="1"/>
+          </p:nvPr>
+        </p:nvSpPr>
+        <p:spPr/>
+        <p:txBody>
+          <a:bodyPr/>
+          <a:lstStyle/>
+          <a:p>
+            <a:endParaRPr lang="en-US" dirty="0"/>
+          </a:p>
+        </p:txBody>
+      </p:sp>
+      <p:sp>
+        <p:nvSpPr>
+          <p:cNvPr id="4" name="Slide Number Placeholder 3"/>
+          <p:cNvSpPr>
+            <a:spLocks noGrp="1"/>
+          </p:cNvSpPr>
+          <p:nvPr>
+            <p:ph type="sldNum" sz="quarter" idx="10"/>
+          </p:nvPr>
+        </p:nvSpPr>
+        <p:spPr/>
+        <p:txBody>
+          <a:bodyPr/>
+          <a:lstStyle/>
+          <a:p>
+            <a:fld id="{F7021451-1387-4CA6-816F-3879F97B5CBC}" type="slidenum">
+              <a:rPr lang="en-US"/>
+              <a:t>8</a:t>
+            </a:fld>
+            <a:endParaRPr lang="en-US"/>
+          </a:p>
+        </p:txBody>
+      </p:sp>
+    </p:spTree>
+    <p:extLst>
+      <p:ext uri="{BB962C8B-B14F-4D97-AF65-F5344CB8AC3E}">
+        <p14:creationId xmlns:p14="http://schemas.microsoft.com/office/powerpoint/2010/main" val="1024086991"/>
+      </p:ext>
+    </p:extLst>
+  </p:cSld>
+  <p:clrMapOvr>
+    <a:masterClrMapping/>
+  </p:clrMapOvr>
+</p:notes>
+</file>
+
+<file path=ppt/notesSlides/notesSlide9.xml><?xml version="1.0" encoding="utf-8"?>
+<p:notes xmlns:a="http://schemas.openxmlformats.org/drawingml/2006/main" xmlns:r="http://schemas.openxmlformats.org/officeDocument/2006/relationships" xmlns:p="http://schemas.openxmlformats.org/presentationml/2006/main">
+  <p:cSld>
+    <p:spTree>
+      <p:nvGrpSpPr>
+        <p:cNvPr id="1" name=""/>
+        <p:cNvGrpSpPr/>
+        <p:nvPr/>
+      </p:nvGrpSpPr>
+      <p:grpSpPr>
+        <a:xfrm>
+          <a:off x="0" y="0"/>
+          <a:ext cx="0" cy="0"/>
+          <a:chOff x="0" y="0"/>
+          <a:chExt cx="0" cy="0"/>
+        </a:xfrm>
+      </p:grpSpPr>
+      <p:sp>
+        <p:nvSpPr>
+          <p:cNvPr id="2" name="Slide Image Placeholder 1"/>
+          <p:cNvSpPr>
+            <a:spLocks noGrp="1" noRot="1" noChangeAspect="1"/>
+          </p:cNvSpPr>
+          <p:nvPr>
+            <p:ph type="sldImg"/>
+          </p:nvPr>
+        </p:nvSpPr>
+        <p:spPr/>
+      </p:sp>
+      <p:sp>
+        <p:nvSpPr>
+          <p:cNvPr id="3" name="Notes Placeholder 2"/>
+          <p:cNvSpPr>
+            <a:spLocks noGrp="1"/>
+          </p:cNvSpPr>
+          <p:nvPr>
+            <p:ph type="body" idx="1"/>
+          </p:nvPr>
+        </p:nvSpPr>
+        <p:spPr/>
+        <p:txBody>
+          <a:bodyPr/>
+          <a:lstStyle/>
+          <a:p>
+            <a:endParaRPr lang="en-US" dirty="0"/>
+          </a:p>
+        </p:txBody>
+      </p:sp>
+      <p:sp>
+        <p:nvSpPr>
+          <p:cNvPr id="4" name="Slide Number Placeholder 3"/>
+          <p:cNvSpPr>
+            <a:spLocks noGrp="1"/>
+          </p:cNvSpPr>
+          <p:nvPr>
+            <p:ph type="sldNum" sz="quarter" idx="10"/>
+          </p:nvPr>
+        </p:nvSpPr>
+        <p:spPr/>
+        <p:txBody>
+          <a:bodyPr/>
+          <a:lstStyle/>
+          <a:p>
+            <a:fld id="{F7021451-1387-4CA6-816F-3879F97B5CBC}" type="slidenum">
+              <a:rPr lang="en-US"/>
+              <a:t>9</a:t>
             </a:fld>
             <a:endParaRPr lang="en-US"/>
           </a:p>
@@ -1706,6 +1879,530 @@
 
 <file path=ppt/slides/slide1.xml><?xml version="1.0" encoding="utf-8"?>
 <p:sld xmlns:a="http://schemas.openxmlformats.org/drawingml/2006/main" xmlns:r="http://schemas.openxmlformats.org/officeDocument/2006/relationships" xmlns:p="http://schemas.openxmlformats.org/presentationml/2006/main">
+  <p:cSld>
+    <p:spTree>
+      <p:nvGrpSpPr>
+        <p:cNvPr id="1" name=""/>
+        <p:cNvGrpSpPr/>
+        <p:nvPr/>
+      </p:nvGrpSpPr>
+      <p:grpSpPr>
+        <a:xfrm>
+          <a:off x="0" y="0"/>
+          <a:ext cx="0" cy="0"/>
+          <a:chOff x="0" y="0"/>
+          <a:chExt cx="0" cy="0"/>
+        </a:xfrm>
+      </p:grpSpPr>
+      <p:sp>
+        <p:nvSpPr>
+          <p:cNvPr id="2" name="Text 0"/>
+          <p:cNvSpPr/>
+          <p:nvPr/>
+        </p:nvSpPr>
+        <p:spPr>
+          <a:xfrm>
+            <a:off x="796470" y="1225641"/>
+            <a:ext cx="10470833" cy="708779"/>
+          </a:xfrm>
+          <a:prstGeom prst="rect">
+            <a:avLst/>
+          </a:prstGeom>
+          <a:noFill/>
+          <a:ln/>
+        </p:spPr>
+        <p:txBody>
+          <a:bodyPr wrap="none" lIns="0" tIns="0" rIns="0" bIns="0" rtlCol="0" anchor="t"/>
+          <a:lstStyle/>
+          <a:p>
+            <a:pPr marL="0" indent="0" algn="l">
+              <a:lnSpc>
+                <a:spcPts val="5550"/>
+              </a:lnSpc>
+              <a:buNone/>
+            </a:pPr>
+            <a:r>
+              <a:rPr lang="en-US" sz="4450" b="1" dirty="0">
+                <a:solidFill>
+                  <a:srgbClr val="443728"/>
+                </a:solidFill>
+                <a:latin typeface="Crimson Pro Bold" pitchFamily="34" charset="0"/>
+                <a:ea typeface="Crimson Pro Bold" pitchFamily="34" charset="-122"/>
+                <a:cs typeface="Crimson Pro Bold" pitchFamily="34" charset="-120"/>
+              </a:rPr>
+              <a:t>Artificial Intelligence &amp; Machine Learning(CSET301)</a:t>
+            </a:r>
+            <a:endParaRPr lang="en-US" sz="4450" dirty="0"/>
+          </a:p>
+        </p:txBody>
+      </p:sp>
+      <p:sp>
+        <p:nvSpPr>
+          <p:cNvPr id="3" name="Text 1"/>
+          <p:cNvSpPr/>
+          <p:nvPr/>
+        </p:nvSpPr>
+        <p:spPr>
+          <a:xfrm>
+            <a:off x="793790" y="2021205"/>
+            <a:ext cx="4536519" cy="566976"/>
+          </a:xfrm>
+          <a:prstGeom prst="rect">
+            <a:avLst/>
+          </a:prstGeom>
+          <a:noFill/>
+          <a:ln/>
+        </p:spPr>
+        <p:txBody>
+          <a:bodyPr wrap="none" lIns="0" tIns="0" rIns="0" bIns="0" rtlCol="0" anchor="t"/>
+          <a:lstStyle/>
+          <a:p>
+            <a:pPr marL="0" indent="0" algn="l">
+              <a:lnSpc>
+                <a:spcPts val="4450"/>
+              </a:lnSpc>
+              <a:buNone/>
+            </a:pPr>
+            <a:r>
+              <a:rPr lang="en-US" sz="3550" b="1" dirty="0">
+                <a:solidFill>
+                  <a:srgbClr val="443728"/>
+                </a:solidFill>
+                <a:latin typeface="Crimson Pro Bold" pitchFamily="34" charset="0"/>
+                <a:ea typeface="Crimson Pro Bold" pitchFamily="34" charset="-122"/>
+                <a:cs typeface="Crimson Pro Bold" pitchFamily="34" charset="-120"/>
+              </a:rPr>
+              <a:t>Problem Statement</a:t>
+            </a:r>
+            <a:endParaRPr lang="en-US" sz="3550" dirty="0"/>
+          </a:p>
+        </p:txBody>
+      </p:sp>
+      <p:sp>
+        <p:nvSpPr>
+          <p:cNvPr id="4" name="Text 2"/>
+          <p:cNvSpPr/>
+          <p:nvPr/>
+        </p:nvSpPr>
+        <p:spPr>
+          <a:xfrm>
+            <a:off x="793790" y="2928341"/>
+            <a:ext cx="7056669" cy="362903"/>
+          </a:xfrm>
+          <a:prstGeom prst="rect">
+            <a:avLst/>
+          </a:prstGeom>
+          <a:noFill/>
+          <a:ln/>
+        </p:spPr>
+        <p:txBody>
+          <a:bodyPr wrap="none" lIns="0" tIns="0" rIns="0" bIns="0" rtlCol="0" anchor="t"/>
+          <a:lstStyle/>
+          <a:p>
+            <a:pPr>
+              <a:lnSpc>
+                <a:spcPts val="2750"/>
+              </a:lnSpc>
+            </a:pPr>
+            <a:r>
+              <a:rPr lang="en-US" sz="2200" b="1" dirty="0">
+                <a:solidFill>
+                  <a:srgbClr val="443728"/>
+                </a:solidFill>
+                <a:latin typeface="Crimson Pro Bold" pitchFamily="34" charset="0"/>
+                <a:ea typeface="Crimson Pro Bold" pitchFamily="34" charset="-122"/>
+                <a:cs typeface="Crimson Pro Bold" pitchFamily="34" charset="-120"/>
+              </a:rPr>
+              <a:t>SILAN – AI REAL-TIME SIGN LANGUAGE DETECTION</a:t>
+            </a:r>
+            <a:endParaRPr lang="en-US" sz="2200" dirty="0"/>
+          </a:p>
+          <a:p>
+            <a:pPr marL="0" indent="0" algn="l">
+              <a:lnSpc>
+                <a:spcPts val="2750"/>
+              </a:lnSpc>
+              <a:buNone/>
+            </a:pPr>
+            <a:endParaRPr lang="en-US" sz="2200" b="1" dirty="0">
+              <a:solidFill>
+                <a:srgbClr val="443728"/>
+              </a:solidFill>
+              <a:latin typeface="Crimson Pro Bold" pitchFamily="34" charset="0"/>
+              <a:ea typeface="Crimson Pro Bold" pitchFamily="34" charset="-122"/>
+              <a:cs typeface="Crimson Pro Bold" pitchFamily="34" charset="-120"/>
+            </a:endParaRPr>
+          </a:p>
+        </p:txBody>
+      </p:sp>
+      <p:sp>
+        <p:nvSpPr>
+          <p:cNvPr id="5" name="Text 3"/>
+          <p:cNvSpPr/>
+          <p:nvPr/>
+        </p:nvSpPr>
+        <p:spPr>
+          <a:xfrm>
+            <a:off x="793790" y="3622834"/>
+            <a:ext cx="13042821" cy="362903"/>
+          </a:xfrm>
+          <a:prstGeom prst="rect">
+            <a:avLst/>
+          </a:prstGeom>
+          <a:noFill/>
+          <a:ln/>
+        </p:spPr>
+        <p:txBody>
+          <a:bodyPr wrap="none" lIns="0" tIns="0" rIns="0" bIns="0" rtlCol="0" anchor="t"/>
+          <a:lstStyle/>
+          <a:p>
+            <a:pPr marL="0" indent="0" algn="l">
+              <a:lnSpc>
+                <a:spcPts val="2850"/>
+              </a:lnSpc>
+              <a:buNone/>
+            </a:pPr>
+            <a:endParaRPr lang="en-US" sz="1750" dirty="0"/>
+          </a:p>
+        </p:txBody>
+      </p:sp>
+      <p:sp>
+        <p:nvSpPr>
+          <p:cNvPr id="6" name="Text 4"/>
+          <p:cNvSpPr/>
+          <p:nvPr/>
+        </p:nvSpPr>
+        <p:spPr>
+          <a:xfrm>
+            <a:off x="796470" y="3869532"/>
+            <a:ext cx="2835235" cy="354330"/>
+          </a:xfrm>
+          <a:prstGeom prst="rect">
+            <a:avLst/>
+          </a:prstGeom>
+          <a:noFill/>
+          <a:ln/>
+        </p:spPr>
+        <p:txBody>
+          <a:bodyPr wrap="none" lIns="0" tIns="0" rIns="0" bIns="0" rtlCol="0" anchor="t"/>
+          <a:lstStyle/>
+          <a:p>
+            <a:pPr marL="0" indent="0" algn="l">
+              <a:lnSpc>
+                <a:spcPts val="2750"/>
+              </a:lnSpc>
+              <a:buNone/>
+            </a:pPr>
+            <a:r>
+              <a:rPr lang="pt-BR" sz="2400" dirty="0"/>
+              <a:t>V S SANTHOSH (E23CSEU1150) </a:t>
+            </a:r>
+          </a:p>
+          <a:p>
+            <a:pPr marL="0" indent="0" algn="l">
+              <a:lnSpc>
+                <a:spcPts val="2750"/>
+              </a:lnSpc>
+              <a:buNone/>
+            </a:pPr>
+            <a:r>
+              <a:rPr lang="pt-BR" sz="2400" dirty="0"/>
+              <a:t>BHANUTEJA PADAMATA (E23CSEU1144) </a:t>
+            </a:r>
+          </a:p>
+          <a:p>
+            <a:pPr marL="0" indent="0" algn="l">
+              <a:lnSpc>
+                <a:spcPts val="2750"/>
+              </a:lnSpc>
+              <a:buNone/>
+            </a:pPr>
+            <a:r>
+              <a:rPr lang="pt-BR" sz="2400" dirty="0"/>
+              <a:t>SHUBHAM PANDEY (E23CSEU1167)</a:t>
+            </a:r>
+          </a:p>
+          <a:p>
+            <a:pPr marL="0" indent="0" algn="l">
+              <a:lnSpc>
+                <a:spcPts val="2750"/>
+              </a:lnSpc>
+              <a:buNone/>
+            </a:pPr>
+            <a:endParaRPr lang="en-US" sz="2200" dirty="0"/>
+          </a:p>
+          <a:p>
+            <a:pPr marL="0" indent="0" algn="l">
+              <a:lnSpc>
+                <a:spcPts val="2750"/>
+              </a:lnSpc>
+              <a:buNone/>
+            </a:pPr>
+            <a:endParaRPr lang="en-US" sz="2200" dirty="0"/>
+          </a:p>
+          <a:p>
+            <a:pPr marL="0" indent="0" algn="l">
+              <a:lnSpc>
+                <a:spcPts val="2750"/>
+              </a:lnSpc>
+              <a:buNone/>
+            </a:pPr>
+            <a:endParaRPr lang="en-US" sz="2200" dirty="0"/>
+          </a:p>
+          <a:p>
+            <a:pPr marL="0" indent="0" algn="l">
+              <a:lnSpc>
+                <a:spcPts val="2750"/>
+              </a:lnSpc>
+              <a:buNone/>
+            </a:pPr>
+            <a:endParaRPr lang="en-US" sz="2200" dirty="0"/>
+          </a:p>
+          <a:p>
+            <a:pPr marL="0" indent="0" algn="l">
+              <a:lnSpc>
+                <a:spcPts val="2750"/>
+              </a:lnSpc>
+              <a:buNone/>
+            </a:pPr>
+            <a:endParaRPr lang="en-US" sz="2200" dirty="0"/>
+          </a:p>
+        </p:txBody>
+      </p:sp>
+      <p:sp>
+        <p:nvSpPr>
+          <p:cNvPr id="7" name="Text 5"/>
+          <p:cNvSpPr/>
+          <p:nvPr/>
+        </p:nvSpPr>
+        <p:spPr>
+          <a:xfrm>
+            <a:off x="793790" y="5215651"/>
+            <a:ext cx="3402330" cy="425291"/>
+          </a:xfrm>
+          <a:prstGeom prst="rect">
+            <a:avLst/>
+          </a:prstGeom>
+          <a:noFill/>
+          <a:ln/>
+        </p:spPr>
+        <p:txBody>
+          <a:bodyPr wrap="none" lIns="0" tIns="0" rIns="0" bIns="0" rtlCol="0" anchor="t"/>
+          <a:lstStyle/>
+          <a:p>
+            <a:pPr marL="0" indent="0" algn="l">
+              <a:lnSpc>
+                <a:spcPts val="3300"/>
+              </a:lnSpc>
+              <a:buNone/>
+            </a:pPr>
+            <a:r>
+              <a:rPr lang="en-US" sz="2650" b="1" dirty="0">
+                <a:solidFill>
+                  <a:srgbClr val="443728"/>
+                </a:solidFill>
+                <a:latin typeface="Crimson Pro Bold" pitchFamily="34" charset="0"/>
+                <a:ea typeface="Crimson Pro Bold" pitchFamily="34" charset="-122"/>
+                <a:cs typeface="Crimson Pro Bold" pitchFamily="34" charset="-120"/>
+              </a:rPr>
+              <a:t>Mentor</a:t>
+            </a:r>
+            <a:endParaRPr lang="en-US" sz="2650" dirty="0"/>
+          </a:p>
+        </p:txBody>
+      </p:sp>
+      <p:pic>
+        <p:nvPicPr>
+          <p:cNvPr id="8" name="Image 0" descr="preencoded.png"/>
+          <p:cNvPicPr>
+            <a:picLocks noChangeAspect="1"/>
+          </p:cNvPicPr>
+          <p:nvPr/>
+        </p:nvPicPr>
+        <p:blipFill>
+          <a:blip r:embed="rId3"/>
+          <a:stretch>
+            <a:fillRect/>
+          </a:stretch>
+        </p:blipFill>
+        <p:spPr>
+          <a:xfrm>
+            <a:off x="793790" y="5992773"/>
+            <a:ext cx="566976" cy="566976"/>
+          </a:xfrm>
+          <a:prstGeom prst="rect">
+            <a:avLst/>
+          </a:prstGeom>
+        </p:spPr>
+      </p:pic>
+      <p:sp>
+        <p:nvSpPr>
+          <p:cNvPr id="9" name="Text 6"/>
+          <p:cNvSpPr/>
+          <p:nvPr/>
+        </p:nvSpPr>
+        <p:spPr>
+          <a:xfrm>
+            <a:off x="1587579" y="6031230"/>
+            <a:ext cx="2894290" cy="354330"/>
+          </a:xfrm>
+          <a:prstGeom prst="rect">
+            <a:avLst/>
+          </a:prstGeom>
+          <a:noFill/>
+          <a:ln/>
+        </p:spPr>
+        <p:txBody>
+          <a:bodyPr wrap="none" lIns="0" tIns="0" rIns="0" bIns="0" rtlCol="0" anchor="t"/>
+          <a:lstStyle/>
+          <a:p>
+            <a:pPr marL="0" indent="0" algn="l">
+              <a:lnSpc>
+                <a:spcPts val="2750"/>
+              </a:lnSpc>
+              <a:buNone/>
+            </a:pPr>
+            <a:r>
+              <a:rPr lang="en-US" sz="2200" b="1" dirty="0">
+                <a:solidFill>
+                  <a:srgbClr val="443728"/>
+                </a:solidFill>
+                <a:latin typeface="Crimson Pro Bold" pitchFamily="34" charset="0"/>
+                <a:ea typeface="Crimson Pro Bold" pitchFamily="34" charset="-122"/>
+                <a:cs typeface="Crimson Pro Bold" pitchFamily="34" charset="-120"/>
+              </a:rPr>
+              <a:t>Dr. </a:t>
+            </a:r>
+            <a:r>
+              <a:rPr lang="en-US" sz="2200" b="1" dirty="0" err="1">
+                <a:solidFill>
+                  <a:srgbClr val="443728"/>
+                </a:solidFill>
+                <a:latin typeface="Crimson Pro Bold" pitchFamily="34" charset="0"/>
+                <a:ea typeface="Crimson Pro Bold" pitchFamily="34" charset="-122"/>
+                <a:cs typeface="Crimson Pro Bold" pitchFamily="34" charset="-120"/>
+              </a:rPr>
+              <a:t>Shwetang</a:t>
+            </a:r>
+            <a:r>
+              <a:rPr lang="en-US" sz="2200" b="1" dirty="0">
+                <a:solidFill>
+                  <a:srgbClr val="443728"/>
+                </a:solidFill>
+                <a:latin typeface="Crimson Pro Bold" pitchFamily="34" charset="0"/>
+                <a:ea typeface="Crimson Pro Bold" pitchFamily="34" charset="-122"/>
+                <a:cs typeface="Crimson Pro Bold" pitchFamily="34" charset="-120"/>
+              </a:rPr>
+              <a:t> Dubey</a:t>
+            </a:r>
+            <a:endParaRPr lang="en-US" sz="2200" dirty="0"/>
+          </a:p>
+        </p:txBody>
+      </p:sp>
+      <p:sp>
+        <p:nvSpPr>
+          <p:cNvPr id="10" name="Text 7"/>
+          <p:cNvSpPr/>
+          <p:nvPr/>
+        </p:nvSpPr>
+        <p:spPr>
+          <a:xfrm>
+            <a:off x="1587579" y="6451279"/>
+            <a:ext cx="12249031" cy="362903"/>
+          </a:xfrm>
+          <a:prstGeom prst="rect">
+            <a:avLst/>
+          </a:prstGeom>
+          <a:noFill/>
+          <a:ln/>
+        </p:spPr>
+        <p:txBody>
+          <a:bodyPr wrap="none" lIns="0" tIns="0" rIns="0" bIns="0" rtlCol="0" anchor="t"/>
+          <a:lstStyle/>
+          <a:p>
+            <a:pPr marL="0" indent="0" algn="l">
+              <a:lnSpc>
+                <a:spcPts val="2850"/>
+              </a:lnSpc>
+              <a:buNone/>
+            </a:pPr>
+            <a:r>
+              <a:rPr lang="en-US" sz="1750" dirty="0">
+                <a:solidFill>
+                  <a:srgbClr val="443728"/>
+                </a:solidFill>
+                <a:latin typeface="Open Sans" pitchFamily="34" charset="0"/>
+                <a:ea typeface="Open Sans" pitchFamily="34" charset="-122"/>
+                <a:cs typeface="Open Sans" pitchFamily="34" charset="-120"/>
+              </a:rPr>
+              <a:t>Our team is guided by Dr. </a:t>
+            </a:r>
+            <a:r>
+              <a:rPr lang="en-US" sz="1750" dirty="0" err="1">
+                <a:solidFill>
+                  <a:srgbClr val="443728"/>
+                </a:solidFill>
+                <a:latin typeface="Open Sans" pitchFamily="34" charset="0"/>
+                <a:ea typeface="Open Sans" pitchFamily="34" charset="-122"/>
+                <a:cs typeface="Open Sans" pitchFamily="34" charset="-120"/>
+              </a:rPr>
+              <a:t>Shwetang</a:t>
+            </a:r>
+            <a:r>
+              <a:rPr lang="en-US" sz="1750" dirty="0">
+                <a:solidFill>
+                  <a:srgbClr val="443728"/>
+                </a:solidFill>
+                <a:latin typeface="Open Sans" pitchFamily="34" charset="0"/>
+                <a:ea typeface="Open Sans" pitchFamily="34" charset="-122"/>
+                <a:cs typeface="Open Sans" pitchFamily="34" charset="-120"/>
+              </a:rPr>
+              <a:t> Dubey. His expertise is invaluable to our project.</a:t>
+            </a:r>
+            <a:endParaRPr lang="en-US" sz="1750" dirty="0"/>
+          </a:p>
+        </p:txBody>
+      </p:sp>
+      <p:pic>
+        <p:nvPicPr>
+          <p:cNvPr id="13" name="Picture 12">
+            <a:extLst>
+              <a:ext uri="{FF2B5EF4-FFF2-40B4-BE49-F238E27FC236}">
+                <a16:creationId xmlns:a16="http://schemas.microsoft.com/office/drawing/2014/main" id="{3DF83A74-07A6-6CC1-FB5C-E96CA7156A2D}"/>
+              </a:ext>
+            </a:extLst>
+          </p:cNvPr>
+          <p:cNvPicPr>
+            <a:picLocks noChangeAspect="1"/>
+          </p:cNvPicPr>
+          <p:nvPr/>
+        </p:nvPicPr>
+        <p:blipFill>
+          <a:blip r:embed="rId4"/>
+          <a:stretch>
+            <a:fillRect/>
+          </a:stretch>
+        </p:blipFill>
+        <p:spPr>
+          <a:xfrm>
+            <a:off x="4348990" y="209862"/>
+            <a:ext cx="5788580" cy="1037637"/>
+          </a:xfrm>
+          <a:prstGeom prst="rect">
+            <a:avLst/>
+          </a:prstGeom>
+        </p:spPr>
+      </p:pic>
+    </p:spTree>
+  </p:cSld>
+  <p:clrMapOvr>
+    <a:masterClrMapping/>
+  </p:clrMapOvr>
+</p:sld>
+</file>
+
+<file path=ppt/slides/slide2.xml><?xml version="1.0" encoding="utf-8"?>
+<p:sld xmlns:a="http://schemas.openxmlformats.org/drawingml/2006/main" xmlns:r="http://schemas.openxmlformats.org/officeDocument/2006/relationships" xmlns:p="http://schemas.openxmlformats.org/presentationml/2006/main">
   <p:cSld name="Slide 1">
     <p:spTree>
       <p:nvGrpSpPr>
@@ -1879,7 +2576,7 @@
 </p:sld>
 </file>
 
-<file path=ppt/slides/slide2.xml><?xml version="1.0" encoding="utf-8"?>
+<file path=ppt/slides/slide3.xml><?xml version="1.0" encoding="utf-8"?>
 <p:sld xmlns:a="http://schemas.openxmlformats.org/drawingml/2006/main" xmlns:r="http://schemas.openxmlformats.org/officeDocument/2006/relationships" xmlns:p="http://schemas.openxmlformats.org/presentationml/2006/main">
   <p:cSld name="Slide 2">
     <p:spTree>
@@ -2084,7 +2781,7 @@
 </p:sld>
 </file>
 
-<file path=ppt/slides/slide3.xml><?xml version="1.0" encoding="utf-8"?>
+<file path=ppt/slides/slide4.xml><?xml version="1.0" encoding="utf-8"?>
 <p:sld xmlns:a="http://schemas.openxmlformats.org/drawingml/2006/main" xmlns:r="http://schemas.openxmlformats.org/officeDocument/2006/relationships" xmlns:p="http://schemas.openxmlformats.org/presentationml/2006/main">
   <p:cSld name="Slide 3">
     <p:spTree>
@@ -2652,7 +3349,7 @@
 </p:sld>
 </file>
 
-<file path=ppt/slides/slide4.xml><?xml version="1.0" encoding="utf-8"?>
+<file path=ppt/slides/slide5.xml><?xml version="1.0" encoding="utf-8"?>
 <p:sld xmlns:a="http://schemas.openxmlformats.org/drawingml/2006/main" xmlns:r="http://schemas.openxmlformats.org/officeDocument/2006/relationships" xmlns:p="http://schemas.openxmlformats.org/presentationml/2006/main">
   <p:cSld name="Slide 4">
     <p:spTree>
@@ -3148,7 +3845,7 @@
 </p:sld>
 </file>
 
-<file path=ppt/slides/slide5.xml><?xml version="1.0" encoding="utf-8"?>
+<file path=ppt/slides/slide6.xml><?xml version="1.0" encoding="utf-8"?>
 <p:sld xmlns:a="http://schemas.openxmlformats.org/drawingml/2006/main" xmlns:r="http://schemas.openxmlformats.org/officeDocument/2006/relationships" xmlns:p="http://schemas.openxmlformats.org/presentationml/2006/main">
   <p:cSld name="Slide 5">
     <p:spTree>
@@ -3575,7 +4272,363 @@
 </p:sld>
 </file>
 
-<file path=ppt/slides/slide6.xml><?xml version="1.0" encoding="utf-8"?>
+<file path=ppt/slides/slide7.xml><?xml version="1.0" encoding="utf-8"?>
+<p:sld xmlns:a="http://schemas.openxmlformats.org/drawingml/2006/main" xmlns:r="http://schemas.openxmlformats.org/officeDocument/2006/relationships" xmlns:p="http://schemas.openxmlformats.org/presentationml/2006/main">
+  <p:cSld>
+    <p:spTree>
+      <p:nvGrpSpPr>
+        <p:cNvPr id="1" name=""/>
+        <p:cNvGrpSpPr/>
+        <p:nvPr/>
+      </p:nvGrpSpPr>
+      <p:grpSpPr>
+        <a:xfrm>
+          <a:off x="0" y="0"/>
+          <a:ext cx="0" cy="0"/>
+          <a:chOff x="0" y="0"/>
+          <a:chExt cx="0" cy="0"/>
+        </a:xfrm>
+      </p:grpSpPr>
+      <p:sp>
+        <p:nvSpPr>
+          <p:cNvPr id="2" name="Text 0"/>
+          <p:cNvSpPr/>
+          <p:nvPr/>
+        </p:nvSpPr>
+        <p:spPr>
+          <a:xfrm>
+            <a:off x="793790" y="2467689"/>
+            <a:ext cx="10493573" cy="708779"/>
+          </a:xfrm>
+          <a:prstGeom prst="rect">
+            <a:avLst/>
+          </a:prstGeom>
+          <a:noFill/>
+          <a:ln/>
+        </p:spPr>
+        <p:txBody>
+          <a:bodyPr wrap="none" lIns="0" tIns="0" rIns="0" bIns="0" rtlCol="0" anchor="t"/>
+          <a:lstStyle/>
+          <a:p>
+            <a:pPr marL="0" indent="0" algn="l">
+              <a:lnSpc>
+                <a:spcPts val="5550"/>
+              </a:lnSpc>
+              <a:buNone/>
+            </a:pPr>
+            <a:r>
+              <a:rPr lang="en-US" sz="4450" b="1" dirty="0">
+                <a:solidFill>
+                  <a:srgbClr val="443728"/>
+                </a:solidFill>
+                <a:latin typeface="Crimson Pro Bold" pitchFamily="34" charset="0"/>
+                <a:ea typeface="Crimson Pro Bold" pitchFamily="34" charset="-122"/>
+                <a:cs typeface="Crimson Pro Bold" pitchFamily="34" charset="-120"/>
+              </a:rPr>
+              <a:t>Related Work in Sign Language Recognition</a:t>
+            </a:r>
+            <a:endParaRPr lang="en-US" sz="4450" dirty="0"/>
+          </a:p>
+        </p:txBody>
+      </p:sp>
+      <p:sp>
+        <p:nvSpPr>
+          <p:cNvPr id="3" name="Text 1"/>
+          <p:cNvSpPr/>
+          <p:nvPr/>
+        </p:nvSpPr>
+        <p:spPr>
+          <a:xfrm>
+            <a:off x="793790" y="3630097"/>
+            <a:ext cx="13042821" cy="362903"/>
+          </a:xfrm>
+          <a:prstGeom prst="rect">
+            <a:avLst/>
+          </a:prstGeom>
+          <a:noFill/>
+          <a:ln/>
+        </p:spPr>
+        <p:txBody>
+          <a:bodyPr wrap="none" lIns="0" tIns="0" rIns="0" bIns="0" rtlCol="0" anchor="t"/>
+          <a:lstStyle/>
+          <a:p>
+            <a:pPr marL="342900" indent="-342900" algn="l">
+              <a:lnSpc>
+                <a:spcPts val="2850"/>
+              </a:lnSpc>
+              <a:buSzPct val="100000"/>
+              <a:buChar char="•"/>
+            </a:pPr>
+            <a:r>
+              <a:rPr lang="en-US" sz="1750" b="1" dirty="0">
+                <a:solidFill>
+                  <a:srgbClr val="443728"/>
+                </a:solidFill>
+                <a:latin typeface="Open Sans" pitchFamily="34" charset="0"/>
+                <a:ea typeface="Open Sans" pitchFamily="34" charset="-122"/>
+                <a:cs typeface="Open Sans" pitchFamily="34" charset="-120"/>
+              </a:rPr>
+              <a:t>DeepHand and SignNet:</a:t>
+            </a:r>
+            <a:r>
+              <a:rPr lang="en-US" sz="1750" dirty="0">
+                <a:solidFill>
+                  <a:srgbClr val="443728"/>
+                </a:solidFill>
+                <a:latin typeface="Open Sans" pitchFamily="34" charset="0"/>
+                <a:ea typeface="Open Sans" pitchFamily="34" charset="-122"/>
+                <a:cs typeface="Open Sans" pitchFamily="34" charset="-120"/>
+              </a:rPr>
+              <a:t> CNN models designed for static sign detection.</a:t>
+            </a:r>
+            <a:endParaRPr lang="en-US" sz="1750" dirty="0"/>
+          </a:p>
+        </p:txBody>
+      </p:sp>
+      <p:sp>
+        <p:nvSpPr>
+          <p:cNvPr id="4" name="Text 2"/>
+          <p:cNvSpPr/>
+          <p:nvPr/>
+        </p:nvSpPr>
+        <p:spPr>
+          <a:xfrm>
+            <a:off x="793790" y="4072295"/>
+            <a:ext cx="13042821" cy="362903"/>
+          </a:xfrm>
+          <a:prstGeom prst="rect">
+            <a:avLst/>
+          </a:prstGeom>
+          <a:noFill/>
+          <a:ln/>
+        </p:spPr>
+        <p:txBody>
+          <a:bodyPr wrap="none" lIns="0" tIns="0" rIns="0" bIns="0" rtlCol="0" anchor="t"/>
+          <a:lstStyle/>
+          <a:p>
+            <a:pPr marL="342900" indent="-342900" algn="l">
+              <a:lnSpc>
+                <a:spcPts val="2850"/>
+              </a:lnSpc>
+              <a:buSzPct val="100000"/>
+              <a:buChar char="•"/>
+            </a:pPr>
+            <a:r>
+              <a:rPr lang="en-US" sz="1750" b="1" dirty="0">
+                <a:solidFill>
+                  <a:srgbClr val="443728"/>
+                </a:solidFill>
+                <a:latin typeface="Open Sans" pitchFamily="34" charset="0"/>
+                <a:ea typeface="Open Sans" pitchFamily="34" charset="-122"/>
+                <a:cs typeface="Open Sans" pitchFamily="34" charset="-120"/>
+              </a:rPr>
+              <a:t>Google Mediapipe:</a:t>
+            </a:r>
+            <a:r>
+              <a:rPr lang="en-US" sz="1750" dirty="0">
+                <a:solidFill>
+                  <a:srgbClr val="443728"/>
+                </a:solidFill>
+                <a:latin typeface="Open Sans" pitchFamily="34" charset="0"/>
+                <a:ea typeface="Open Sans" pitchFamily="34" charset="-122"/>
+                <a:cs typeface="Open Sans" pitchFamily="34" charset="-120"/>
+              </a:rPr>
+              <a:t> Hand tracking via landmarks for gesture recognition.</a:t>
+            </a:r>
+            <a:endParaRPr lang="en-US" sz="1750" dirty="0"/>
+          </a:p>
+        </p:txBody>
+      </p:sp>
+      <p:sp>
+        <p:nvSpPr>
+          <p:cNvPr id="5" name="Text 3"/>
+          <p:cNvSpPr/>
+          <p:nvPr/>
+        </p:nvSpPr>
+        <p:spPr>
+          <a:xfrm>
+            <a:off x="793790" y="4514493"/>
+            <a:ext cx="13042821" cy="362903"/>
+          </a:xfrm>
+          <a:prstGeom prst="rect">
+            <a:avLst/>
+          </a:prstGeom>
+          <a:noFill/>
+          <a:ln/>
+        </p:spPr>
+        <p:txBody>
+          <a:bodyPr wrap="none" lIns="0" tIns="0" rIns="0" bIns="0" rtlCol="0" anchor="t"/>
+          <a:lstStyle/>
+          <a:p>
+            <a:pPr marL="342900" indent="-342900" algn="l">
+              <a:lnSpc>
+                <a:spcPts val="2850"/>
+              </a:lnSpc>
+              <a:buSzPct val="100000"/>
+              <a:buChar char="•"/>
+            </a:pPr>
+            <a:r>
+              <a:rPr lang="en-US" sz="1750" b="1" dirty="0">
+                <a:solidFill>
+                  <a:srgbClr val="443728"/>
+                </a:solidFill>
+                <a:latin typeface="Open Sans" pitchFamily="34" charset="0"/>
+                <a:ea typeface="Open Sans" pitchFamily="34" charset="-122"/>
+                <a:cs typeface="Open Sans" pitchFamily="34" charset="-120"/>
+              </a:rPr>
+              <a:t>CNN + LSTM Models:</a:t>
+            </a:r>
+            <a:r>
+              <a:rPr lang="en-US" sz="1750" dirty="0">
+                <a:solidFill>
+                  <a:srgbClr val="443728"/>
+                </a:solidFill>
+                <a:latin typeface="Open Sans" pitchFamily="34" charset="0"/>
+                <a:ea typeface="Open Sans" pitchFamily="34" charset="-122"/>
+                <a:cs typeface="Open Sans" pitchFamily="34" charset="-120"/>
+              </a:rPr>
+              <a:t> Capture both spatial and temporal features for dynamic signs.</a:t>
+            </a:r>
+            <a:endParaRPr lang="en-US" sz="1750" dirty="0"/>
+          </a:p>
+        </p:txBody>
+      </p:sp>
+      <p:sp>
+        <p:nvSpPr>
+          <p:cNvPr id="6" name="Text 4"/>
+          <p:cNvSpPr/>
+          <p:nvPr/>
+        </p:nvSpPr>
+        <p:spPr>
+          <a:xfrm>
+            <a:off x="793790" y="4956691"/>
+            <a:ext cx="13042821" cy="362903"/>
+          </a:xfrm>
+          <a:prstGeom prst="rect">
+            <a:avLst/>
+          </a:prstGeom>
+          <a:noFill/>
+          <a:ln/>
+        </p:spPr>
+        <p:txBody>
+          <a:bodyPr wrap="none" lIns="0" tIns="0" rIns="0" bIns="0" rtlCol="0" anchor="t"/>
+          <a:lstStyle/>
+          <a:p>
+            <a:pPr marL="342900" indent="-342900" algn="l">
+              <a:lnSpc>
+                <a:spcPts val="2850"/>
+              </a:lnSpc>
+              <a:buSzPct val="100000"/>
+              <a:buChar char="•"/>
+            </a:pPr>
+            <a:r>
+              <a:rPr lang="en-US" sz="1750" b="1" dirty="0">
+                <a:solidFill>
+                  <a:srgbClr val="443728"/>
+                </a:solidFill>
+                <a:latin typeface="Open Sans" pitchFamily="34" charset="0"/>
+                <a:ea typeface="Open Sans" pitchFamily="34" charset="-122"/>
+                <a:cs typeface="Open Sans" pitchFamily="34" charset="-120"/>
+              </a:rPr>
+              <a:t>OpenCV &amp; TensorFlow Pipeline:</a:t>
+            </a:r>
+            <a:r>
+              <a:rPr lang="en-US" sz="1750" dirty="0">
+                <a:solidFill>
+                  <a:srgbClr val="443728"/>
+                </a:solidFill>
+                <a:latin typeface="Open Sans" pitchFamily="34" charset="0"/>
+                <a:ea typeface="Open Sans" pitchFamily="34" charset="-122"/>
+                <a:cs typeface="Open Sans" pitchFamily="34" charset="-120"/>
+              </a:rPr>
+              <a:t> Real-time gesture capture using webcams.</a:t>
+            </a:r>
+            <a:endParaRPr lang="en-US" sz="1750" dirty="0"/>
+          </a:p>
+        </p:txBody>
+      </p:sp>
+      <p:sp>
+        <p:nvSpPr>
+          <p:cNvPr id="7" name="Text 5"/>
+          <p:cNvSpPr/>
+          <p:nvPr/>
+        </p:nvSpPr>
+        <p:spPr>
+          <a:xfrm>
+            <a:off x="793790" y="5398889"/>
+            <a:ext cx="13042821" cy="362903"/>
+          </a:xfrm>
+          <a:prstGeom prst="rect">
+            <a:avLst/>
+          </a:prstGeom>
+          <a:noFill/>
+          <a:ln/>
+        </p:spPr>
+        <p:txBody>
+          <a:bodyPr wrap="none" lIns="0" tIns="0" rIns="0" bIns="0" rtlCol="0" anchor="t"/>
+          <a:lstStyle/>
+          <a:p>
+            <a:pPr marL="342900" indent="-342900" algn="l">
+              <a:lnSpc>
+                <a:spcPts val="2850"/>
+              </a:lnSpc>
+              <a:buSzPct val="100000"/>
+              <a:buChar char="•"/>
+            </a:pPr>
+            <a:r>
+              <a:rPr lang="en-US" sz="1750" dirty="0">
+                <a:solidFill>
+                  <a:srgbClr val="443728"/>
+                </a:solidFill>
+                <a:latin typeface="Open Sans" pitchFamily="34" charset="0"/>
+                <a:ea typeface="Open Sans" pitchFamily="34" charset="-122"/>
+                <a:cs typeface="Open Sans" pitchFamily="34" charset="-120"/>
+              </a:rPr>
+              <a:t>These advances form the basis for SILAN’s real-time detection system.</a:t>
+            </a:r>
+            <a:endParaRPr lang="en-US" sz="1750" dirty="0"/>
+          </a:p>
+        </p:txBody>
+      </p:sp>
+      <p:pic>
+        <p:nvPicPr>
+          <p:cNvPr id="8" name="Picture 7">
+            <a:extLst>
+              <a:ext uri="{FF2B5EF4-FFF2-40B4-BE49-F238E27FC236}">
+                <a16:creationId xmlns:a16="http://schemas.microsoft.com/office/drawing/2014/main" id="{267EF4AC-694E-E481-8265-A0B025E73514}"/>
+              </a:ext>
+            </a:extLst>
+          </p:cNvPr>
+          <p:cNvPicPr>
+            <a:picLocks noChangeAspect="1"/>
+          </p:cNvPicPr>
+          <p:nvPr/>
+        </p:nvPicPr>
+        <p:blipFill>
+          <a:blip r:embed="rId3"/>
+          <a:stretch>
+            <a:fillRect/>
+          </a:stretch>
+        </p:blipFill>
+        <p:spPr>
+          <a:xfrm>
+            <a:off x="12806630" y="7745965"/>
+            <a:ext cx="1762125" cy="447675"/>
+          </a:xfrm>
+          <a:prstGeom prst="rect">
+            <a:avLst/>
+          </a:prstGeom>
+        </p:spPr>
+      </p:pic>
+    </p:spTree>
+  </p:cSld>
+  <p:clrMapOvr>
+    <a:masterClrMapping/>
+  </p:clrMapOvr>
+</p:sld>
+</file>
+
+<file path=ppt/slides/slide8.xml><?xml version="1.0" encoding="utf-8"?>
 <p:sld xmlns:a="http://schemas.openxmlformats.org/drawingml/2006/main" xmlns:r="http://schemas.openxmlformats.org/officeDocument/2006/relationships" xmlns:p="http://schemas.openxmlformats.org/presentationml/2006/main">
   <p:cSld name="Slide 6">
     <p:spTree>
@@ -4013,7 +5066,7 @@
 </p:sld>
 </file>
 
-<file path=ppt/slides/slide7.xml><?xml version="1.0" encoding="utf-8"?>
+<file path=ppt/slides/slide9.xml><?xml version="1.0" encoding="utf-8"?>
 <p:sld xmlns:a="http://schemas.openxmlformats.org/drawingml/2006/main" xmlns:r="http://schemas.openxmlformats.org/officeDocument/2006/relationships" xmlns:p="http://schemas.openxmlformats.org/presentationml/2006/main">
   <p:cSld>
     <p:spTree>
